--- a/grade10/quarter1/20_09/to_be_sent.pptx
+++ b/grade10/quarter1/20_09/to_be_sent.pptx
@@ -170,6 +170,9 @@
           </p14:sldIdLst>
         </p14:section>
       </p14:sectionLst>
+    </p:ext>
+    <p:ext uri="{EFAFB233-063F-42B5-8137-9DF3F51BA10A}">
+      <p15:sldGuideLst xmlns:p15="http://schemas.microsoft.com/office/powerpoint/2012/main"/>
     </p:ext>
   </p:extLst>
 </p:presentation>
